--- a/pres/02/02-01 Module Introduction.pptx
+++ b/pres/02/02-01 Module Introduction.pptx
@@ -218,7 +218,7 @@
           <a:p>
             <a:fld id="{A76B6749-DE3F-4859-8D71-5D9865352888}" type="datetimeFigureOut">
               <a:rPr lang="en-US" smtClean="0"/>
-              <a:t>3/20/2022</a:t>
+              <a:t>3/28/2022</a:t>
             </a:fld>
             <a:endParaRPr lang="en-US"/>
           </a:p>
@@ -8968,7 +8968,7 @@
           <a:p>
             <a:fld id="{1222AF70-0EB3-4C72-A09D-6B6E6E0B7AD2}" type="datetimeFigureOut">
               <a:rPr lang="en-US" smtClean="0"/>
-              <a:t>3/20/2022</a:t>
+              <a:t>3/28/2022</a:t>
             </a:fld>
             <a:endParaRPr lang="en-US"/>
           </a:p>
@@ -9166,7 +9166,7 @@
           <a:p>
             <a:fld id="{1222AF70-0EB3-4C72-A09D-6B6E6E0B7AD2}" type="datetimeFigureOut">
               <a:rPr lang="en-US" smtClean="0"/>
-              <a:t>3/20/2022</a:t>
+              <a:t>3/28/2022</a:t>
             </a:fld>
             <a:endParaRPr lang="en-US"/>
           </a:p>
@@ -9374,7 +9374,7 @@
           <a:p>
             <a:fld id="{1222AF70-0EB3-4C72-A09D-6B6E6E0B7AD2}" type="datetimeFigureOut">
               <a:rPr lang="en-US" smtClean="0"/>
-              <a:t>3/20/2022</a:t>
+              <a:t>3/28/2022</a:t>
             </a:fld>
             <a:endParaRPr lang="en-US"/>
           </a:p>
@@ -14129,7 +14129,7 @@
           <a:p>
             <a:fld id="{1222AF70-0EB3-4C72-A09D-6B6E6E0B7AD2}" type="datetimeFigureOut">
               <a:rPr lang="en-US" smtClean="0"/>
-              <a:t>3/20/2022</a:t>
+              <a:t>3/28/2022</a:t>
             </a:fld>
             <a:endParaRPr lang="en-US"/>
           </a:p>
@@ -18434,7 +18434,7 @@
           <a:p>
             <a:fld id="{1222AF70-0EB3-4C72-A09D-6B6E6E0B7AD2}" type="datetimeFigureOut">
               <a:rPr lang="en-US" smtClean="0"/>
-              <a:t>3/20/2022</a:t>
+              <a:t>3/28/2022</a:t>
             </a:fld>
             <a:endParaRPr lang="en-US"/>
           </a:p>
@@ -25669,7 +25669,7 @@
           <a:p>
             <a:fld id="{1222AF70-0EB3-4C72-A09D-6B6E6E0B7AD2}" type="datetimeFigureOut">
               <a:rPr lang="en-US" smtClean="0"/>
-              <a:t>3/20/2022</a:t>
+              <a:t>3/28/2022</a:t>
             </a:fld>
             <a:endParaRPr lang="en-US"/>
           </a:p>
@@ -29714,7 +29714,7 @@
           <a:p>
             <a:fld id="{1222AF70-0EB3-4C72-A09D-6B6E6E0B7AD2}" type="datetimeFigureOut">
               <a:rPr lang="en-US" smtClean="0"/>
-              <a:t>3/20/2022</a:t>
+              <a:t>3/28/2022</a:t>
             </a:fld>
             <a:endParaRPr lang="en-US"/>
           </a:p>
@@ -37955,7 +37955,7 @@
           <a:p>
             <a:fld id="{1222AF70-0EB3-4C72-A09D-6B6E6E0B7AD2}" type="datetimeFigureOut">
               <a:rPr lang="en-US" smtClean="0"/>
-              <a:t>3/20/2022</a:t>
+              <a:t>3/28/2022</a:t>
             </a:fld>
             <a:endParaRPr lang="en-US"/>
           </a:p>
@@ -42670,7 +42670,7 @@
           <a:p>
             <a:fld id="{1222AF70-0EB3-4C72-A09D-6B6E6E0B7AD2}" type="datetimeFigureOut">
               <a:rPr lang="en-US" smtClean="0"/>
-              <a:t>3/20/2022</a:t>
+              <a:t>3/28/2022</a:t>
             </a:fld>
             <a:endParaRPr lang="en-US"/>
           </a:p>
@@ -44477,7 +44477,7 @@
           <a:p>
             <a:fld id="{1222AF70-0EB3-4C72-A09D-6B6E6E0B7AD2}" type="datetimeFigureOut">
               <a:rPr lang="en-US" smtClean="0"/>
-              <a:t>3/20/2022</a:t>
+              <a:t>3/28/2022</a:t>
             </a:fld>
             <a:endParaRPr lang="en-US"/>
           </a:p>
@@ -44765,7 +44765,7 @@
           <a:p>
             <a:fld id="{1222AF70-0EB3-4C72-A09D-6B6E6E0B7AD2}" type="datetimeFigureOut">
               <a:rPr lang="en-US" smtClean="0"/>
-              <a:t>3/20/2022</a:t>
+              <a:t>3/28/2022</a:t>
             </a:fld>
             <a:endParaRPr lang="en-US"/>
           </a:p>
@@ -45006,7 +45006,7 @@
           <a:p>
             <a:fld id="{1222AF70-0EB3-4C72-A09D-6B6E6E0B7AD2}" type="datetimeFigureOut">
               <a:rPr lang="en-US" smtClean="0"/>
-              <a:t>3/20/2022</a:t>
+              <a:t>3/28/2022</a:t>
             </a:fld>
             <a:endParaRPr lang="en-US"/>
           </a:p>
@@ -50758,7 +50758,7 @@
           <a:p>
             <a:r>
               <a:rPr lang="en-US" dirty="0"/>
-              <a:t>Learning F# is Awesome!</a:t>
+              <a:t>Learning F# is awesome!</a:t>
             </a:r>
           </a:p>
         </p:txBody>
@@ -51107,13 +51107,30 @@
           <a:p>
             <a:r>
               <a:rPr lang="en-US" dirty="0"/>
-              <a:t>Using the .NET command line interface</a:t>
+              <a:t>F# and the .NET command line interface</a:t>
             </a:r>
           </a:p>
           <a:p>
             <a:r>
               <a:rPr lang="en-US" dirty="0"/>
               <a:t>Using F# with Visual Studio Code</a:t>
+            </a:r>
+          </a:p>
+          <a:p>
+            <a:r>
+              <a:rPr lang="en-US" dirty="0"/>
+              <a:t>Running F# scripts with dotnet </a:t>
+            </a:r>
+            <a:r>
+              <a:rPr lang="en-US" dirty="0" err="1"/>
+              <a:t>fsi</a:t>
+            </a:r>
+            <a:endParaRPr lang="en-US" dirty="0"/>
+          </a:p>
+          <a:p>
+            <a:r>
+              <a:rPr lang="en-US" dirty="0"/>
+              <a:t>F# Programming Quick Start`</a:t>
             </a:r>
           </a:p>
         </p:txBody>
